--- a/BaoCaoBEM.pptx
+++ b/BaoCaoBEM.pptx
@@ -864,7 +864,7 @@
             <a:fld id="{B61BEF0D-F0BB-DE4B-95CE-6DB70DBA9567}" type="datetimeFigureOut">
               <a:rPr lang="en-US" dirty="0"/>
               <a:pPr/>
-              <a:t>3/6/2020</a:t>
+              <a:t>3/18/2020</a:t>
             </a:fld>
             <a:endParaRPr lang="en-US" dirty="0"/>
           </a:p>
@@ -1112,7 +1112,7 @@
             <a:fld id="{B61BEF0D-F0BB-DE4B-95CE-6DB70DBA9567}" type="datetimeFigureOut">
               <a:rPr lang="en-US" dirty="0"/>
               <a:pPr/>
-              <a:t>3/6/2020</a:t>
+              <a:t>3/18/2020</a:t>
             </a:fld>
             <a:endParaRPr lang="en-US" dirty="0"/>
           </a:p>
@@ -1423,7 +1423,7 @@
             <a:fld id="{B61BEF0D-F0BB-DE4B-95CE-6DB70DBA9567}" type="datetimeFigureOut">
               <a:rPr lang="en-US" dirty="0"/>
               <a:pPr/>
-              <a:t>3/6/2020</a:t>
+              <a:t>3/18/2020</a:t>
             </a:fld>
             <a:endParaRPr lang="en-US" dirty="0"/>
           </a:p>
@@ -1753,7 +1753,7 @@
             <a:fld id="{B61BEF0D-F0BB-DE4B-95CE-6DB70DBA9567}" type="datetimeFigureOut">
               <a:rPr lang="en-US" dirty="0"/>
               <a:pPr/>
-              <a:t>3/6/2020</a:t>
+              <a:t>3/18/2020</a:t>
             </a:fld>
             <a:endParaRPr lang="en-US" dirty="0"/>
           </a:p>
@@ -2064,7 +2064,7 @@
             <a:fld id="{B61BEF0D-F0BB-DE4B-95CE-6DB70DBA9567}" type="datetimeFigureOut">
               <a:rPr lang="en-US" dirty="0"/>
               <a:pPr/>
-              <a:t>3/6/2020</a:t>
+              <a:t>3/18/2020</a:t>
             </a:fld>
             <a:endParaRPr lang="en-US" dirty="0"/>
           </a:p>
@@ -2454,7 +2454,7 @@
             <a:fld id="{B61BEF0D-F0BB-DE4B-95CE-6DB70DBA9567}" type="datetimeFigureOut">
               <a:rPr lang="en-US" dirty="0"/>
               <a:pPr/>
-              <a:t>3/6/2020</a:t>
+              <a:t>3/18/2020</a:t>
             </a:fld>
             <a:endParaRPr lang="en-US" dirty="0"/>
           </a:p>
@@ -2620,7 +2620,7 @@
           <a:p>
             <a:fld id="{55C6B4A9-1611-4792-9094-5F34BCA07E0B}" type="datetimeFigureOut">
               <a:rPr lang="en-US" dirty="0"/>
-              <a:t>3/6/2020</a:t>
+              <a:t>3/18/2020</a:t>
             </a:fld>
             <a:endParaRPr lang="en-US" dirty="0"/>
           </a:p>
@@ -2796,7 +2796,7 @@
             <a:fld id="{B61BEF0D-F0BB-DE4B-95CE-6DB70DBA9567}" type="datetimeFigureOut">
               <a:rPr lang="en-US" dirty="0"/>
               <a:pPr/>
-              <a:t>3/6/2020</a:t>
+              <a:t>3/18/2020</a:t>
             </a:fld>
             <a:endParaRPr lang="en-US" dirty="0"/>
           </a:p>
@@ -2962,7 +2962,7 @@
           <a:p>
             <a:fld id="{42A54C80-263E-416B-A8E0-580EDEADCBDC}" type="datetimeFigureOut">
               <a:rPr lang="en-US" dirty="0"/>
-              <a:t>3/6/2020</a:t>
+              <a:t>3/18/2020</a:t>
             </a:fld>
             <a:endParaRPr lang="en-US" dirty="0"/>
           </a:p>
@@ -3205,7 +3205,7 @@
             <a:fld id="{B61BEF0D-F0BB-DE4B-95CE-6DB70DBA9567}" type="datetimeFigureOut">
               <a:rPr lang="en-US" dirty="0"/>
               <a:pPr/>
-              <a:t>3/6/2020</a:t>
+              <a:t>3/18/2020</a:t>
             </a:fld>
             <a:endParaRPr lang="en-US" dirty="0"/>
           </a:p>
@@ -3433,7 +3433,7 @@
           <a:p>
             <a:fld id="{42A54C80-263E-416B-A8E0-580EDEADCBDC}" type="datetimeFigureOut">
               <a:rPr lang="en-US" dirty="0"/>
-              <a:t>3/6/2020</a:t>
+              <a:t>3/18/2020</a:t>
             </a:fld>
             <a:endParaRPr lang="en-US" dirty="0"/>
           </a:p>
@@ -3803,7 +3803,7 @@
             <a:fld id="{B61BEF0D-F0BB-DE4B-95CE-6DB70DBA9567}" type="datetimeFigureOut">
               <a:rPr lang="en-US" dirty="0"/>
               <a:pPr/>
-              <a:t>3/6/2020</a:t>
+              <a:t>3/18/2020</a:t>
             </a:fld>
             <a:endParaRPr lang="en-US" dirty="0"/>
           </a:p>
@@ -3923,7 +3923,7 @@
             <a:fld id="{B61BEF0D-F0BB-DE4B-95CE-6DB70DBA9567}" type="datetimeFigureOut">
               <a:rPr lang="en-US" dirty="0"/>
               <a:pPr/>
-              <a:t>3/6/2020</a:t>
+              <a:t>3/18/2020</a:t>
             </a:fld>
             <a:endParaRPr lang="en-US" dirty="0"/>
           </a:p>
@@ -4015,7 +4015,7 @@
             <a:fld id="{B61BEF0D-F0BB-DE4B-95CE-6DB70DBA9567}" type="datetimeFigureOut">
               <a:rPr lang="en-US" dirty="0"/>
               <a:pPr/>
-              <a:t>3/6/2020</a:t>
+              <a:t>3/18/2020</a:t>
             </a:fld>
             <a:endParaRPr lang="en-US" dirty="0"/>
           </a:p>
@@ -4266,7 +4266,7 @@
           <a:p>
             <a:fld id="{42A54C80-263E-416B-A8E0-580EDEADCBDC}" type="datetimeFigureOut">
               <a:rPr lang="en-US" dirty="0"/>
-              <a:t>3/6/2020</a:t>
+              <a:t>3/18/2020</a:t>
             </a:fld>
             <a:endParaRPr lang="en-US" dirty="0"/>
           </a:p>
@@ -4568,7 +4568,7 @@
             <a:fld id="{B61BEF0D-F0BB-DE4B-95CE-6DB70DBA9567}" type="datetimeFigureOut">
               <a:rPr lang="en-US" dirty="0"/>
               <a:pPr/>
-              <a:t>3/6/2020</a:t>
+              <a:t>3/18/2020</a:t>
             </a:fld>
             <a:endParaRPr lang="en-US" dirty="0"/>
           </a:p>
@@ -5266,7 +5266,7 @@
             <a:fld id="{B61BEF0D-F0BB-DE4B-95CE-6DB70DBA9567}" type="datetimeFigureOut">
               <a:rPr lang="en-US" dirty="0"/>
               <a:pPr/>
-              <a:t>3/6/2020</a:t>
+              <a:t>3/18/2020</a:t>
             </a:fld>
             <a:endParaRPr lang="en-US" dirty="0"/>
           </a:p>
@@ -10861,7 +10861,7 @@
                 <a:latin typeface="Times New Roman" panose="02020603050405020304" pitchFamily="18" charset="0"/>
                 <a:cs typeface="Times New Roman" panose="02020603050405020304" pitchFamily="18" charset="0"/>
               </a:rPr>
-              <a:t>OOSCC</a:t>
+              <a:t>OOCSS</a:t>
             </a:r>
             <a:endParaRPr lang="en-US" sz="6000" dirty="0">
               <a:solidFill>
